--- a/Diagrammes et documents/Support de présentation P5 Collet Jérémy.pptx
+++ b/Diagrammes et documents/Support de présentation P5 Collet Jérémy.pptx
@@ -10,13 +10,15 @@
     <p:sldId id="268" r:id="rId4"/>
     <p:sldId id="259" r:id="rId5"/>
     <p:sldId id="261" r:id="rId6"/>
-    <p:sldId id="262" r:id="rId7"/>
-    <p:sldId id="260" r:id="rId8"/>
-    <p:sldId id="263" r:id="rId9"/>
-    <p:sldId id="264" r:id="rId10"/>
-    <p:sldId id="265" r:id="rId11"/>
-    <p:sldId id="266" r:id="rId12"/>
-    <p:sldId id="267" r:id="rId13"/>
+    <p:sldId id="270" r:id="rId7"/>
+    <p:sldId id="262" r:id="rId8"/>
+    <p:sldId id="269" r:id="rId9"/>
+    <p:sldId id="260" r:id="rId10"/>
+    <p:sldId id="263" r:id="rId11"/>
+    <p:sldId id="264" r:id="rId12"/>
+    <p:sldId id="265" r:id="rId13"/>
+    <p:sldId id="266" r:id="rId14"/>
+    <p:sldId id="267" r:id="rId15"/>
   </p:sldIdLst>
   <p:sldSz cx="12192000" cy="6858000"/>
   <p:notesSz cx="6858000" cy="9144000"/>
@@ -125,7 +127,9 @@
             <p14:sldId id="268"/>
             <p14:sldId id="259"/>
             <p14:sldId id="261"/>
+            <p14:sldId id="270"/>
             <p14:sldId id="262"/>
+            <p14:sldId id="269"/>
             <p14:sldId id="260"/>
             <p14:sldId id="263"/>
             <p14:sldId id="264"/>
@@ -865,7 +869,7 @@
           <a:p>
             <a:fld id="{3C9D912C-6682-42C2-92AE-A7A0DF3339C6}" type="datetimeFigureOut">
               <a:rPr lang="fr-FR" smtClean="0"/>
-              <a:t>19/01/2021</a:t>
+              <a:t>20/01/2021</a:t>
             </a:fld>
             <a:endParaRPr lang="fr-FR"/>
           </a:p>
@@ -1116,7 +1120,7 @@
           <a:p>
             <a:fld id="{3C9D912C-6682-42C2-92AE-A7A0DF3339C6}" type="datetimeFigureOut">
               <a:rPr lang="fr-FR" smtClean="0"/>
-              <a:t>19/01/2021</a:t>
+              <a:t>20/01/2021</a:t>
             </a:fld>
             <a:endParaRPr lang="fr-FR"/>
           </a:p>
@@ -1430,7 +1434,7 @@
           <a:p>
             <a:fld id="{3C9D912C-6682-42C2-92AE-A7A0DF3339C6}" type="datetimeFigureOut">
               <a:rPr lang="fr-FR" smtClean="0"/>
-              <a:t>19/01/2021</a:t>
+              <a:t>20/01/2021</a:t>
             </a:fld>
             <a:endParaRPr lang="fr-FR"/>
           </a:p>
@@ -1771,7 +1775,7 @@
           <a:p>
             <a:fld id="{3C9D912C-6682-42C2-92AE-A7A0DF3339C6}" type="datetimeFigureOut">
               <a:rPr lang="fr-FR" smtClean="0"/>
-              <a:t>19/01/2021</a:t>
+              <a:t>20/01/2021</a:t>
             </a:fld>
             <a:endParaRPr lang="fr-FR"/>
           </a:p>
@@ -2085,7 +2089,7 @@
           <a:p>
             <a:fld id="{3C9D912C-6682-42C2-92AE-A7A0DF3339C6}" type="datetimeFigureOut">
               <a:rPr lang="fr-FR" smtClean="0"/>
-              <a:t>19/01/2021</a:t>
+              <a:t>20/01/2021</a:t>
             </a:fld>
             <a:endParaRPr lang="fr-FR"/>
           </a:p>
@@ -2478,7 +2482,7 @@
           <a:p>
             <a:fld id="{3C9D912C-6682-42C2-92AE-A7A0DF3339C6}" type="datetimeFigureOut">
               <a:rPr lang="fr-FR" smtClean="0"/>
-              <a:t>19/01/2021</a:t>
+              <a:t>20/01/2021</a:t>
             </a:fld>
             <a:endParaRPr lang="fr-FR"/>
           </a:p>
@@ -2648,7 +2652,7 @@
           <a:p>
             <a:fld id="{3C9D912C-6682-42C2-92AE-A7A0DF3339C6}" type="datetimeFigureOut">
               <a:rPr lang="fr-FR" smtClean="0"/>
-              <a:t>19/01/2021</a:t>
+              <a:t>20/01/2021</a:t>
             </a:fld>
             <a:endParaRPr lang="fr-FR"/>
           </a:p>
@@ -2828,7 +2832,7 @@
           <a:p>
             <a:fld id="{3C9D912C-6682-42C2-92AE-A7A0DF3339C6}" type="datetimeFigureOut">
               <a:rPr lang="fr-FR" smtClean="0"/>
-              <a:t>19/01/2021</a:t>
+              <a:t>20/01/2021</a:t>
             </a:fld>
             <a:endParaRPr lang="fr-FR"/>
           </a:p>
@@ -3004,7 +3008,7 @@
           <a:p>
             <a:fld id="{3C9D912C-6682-42C2-92AE-A7A0DF3339C6}" type="datetimeFigureOut">
               <a:rPr lang="fr-FR" smtClean="0"/>
-              <a:t>19/01/2021</a:t>
+              <a:t>20/01/2021</a:t>
             </a:fld>
             <a:endParaRPr lang="fr-FR"/>
           </a:p>
@@ -3251,7 +3255,7 @@
           <a:p>
             <a:fld id="{3C9D912C-6682-42C2-92AE-A7A0DF3339C6}" type="datetimeFigureOut">
               <a:rPr lang="fr-FR" smtClean="0"/>
-              <a:t>19/01/2021</a:t>
+              <a:t>20/01/2021</a:t>
             </a:fld>
             <a:endParaRPr lang="fr-FR"/>
           </a:p>
@@ -3483,7 +3487,7 @@
           <a:p>
             <a:fld id="{3C9D912C-6682-42C2-92AE-A7A0DF3339C6}" type="datetimeFigureOut">
               <a:rPr lang="fr-FR" smtClean="0"/>
-              <a:t>19/01/2021</a:t>
+              <a:t>20/01/2021</a:t>
             </a:fld>
             <a:endParaRPr lang="fr-FR"/>
           </a:p>
@@ -3857,7 +3861,7 @@
           <a:p>
             <a:fld id="{3C9D912C-6682-42C2-92AE-A7A0DF3339C6}" type="datetimeFigureOut">
               <a:rPr lang="fr-FR" smtClean="0"/>
-              <a:t>19/01/2021</a:t>
+              <a:t>20/01/2021</a:t>
             </a:fld>
             <a:endParaRPr lang="fr-FR"/>
           </a:p>
@@ -3980,7 +3984,7 @@
           <a:p>
             <a:fld id="{3C9D912C-6682-42C2-92AE-A7A0DF3339C6}" type="datetimeFigureOut">
               <a:rPr lang="fr-FR" smtClean="0"/>
-              <a:t>19/01/2021</a:t>
+              <a:t>20/01/2021</a:t>
             </a:fld>
             <a:endParaRPr lang="fr-FR"/>
           </a:p>
@@ -4075,7 +4079,7 @@
           <a:p>
             <a:fld id="{3C9D912C-6682-42C2-92AE-A7A0DF3339C6}" type="datetimeFigureOut">
               <a:rPr lang="fr-FR" smtClean="0"/>
-              <a:t>19/01/2021</a:t>
+              <a:t>20/01/2021</a:t>
             </a:fld>
             <a:endParaRPr lang="fr-FR"/>
           </a:p>
@@ -4330,7 +4334,7 @@
           <a:p>
             <a:fld id="{3C9D912C-6682-42C2-92AE-A7A0DF3339C6}" type="datetimeFigureOut">
               <a:rPr lang="fr-FR" smtClean="0"/>
-              <a:t>19/01/2021</a:t>
+              <a:t>20/01/2021</a:t>
             </a:fld>
             <a:endParaRPr lang="fr-FR"/>
           </a:p>
@@ -4593,7 +4597,7 @@
           <a:p>
             <a:fld id="{3C9D912C-6682-42C2-92AE-A7A0DF3339C6}" type="datetimeFigureOut">
               <a:rPr lang="fr-FR" smtClean="0"/>
-              <a:t>19/01/2021</a:t>
+              <a:t>20/01/2021</a:t>
             </a:fld>
             <a:endParaRPr lang="fr-FR"/>
           </a:p>
@@ -5336,7 +5340,7 @@
           <a:p>
             <a:fld id="{3C9D912C-6682-42C2-92AE-A7A0DF3339C6}" type="datetimeFigureOut">
               <a:rPr lang="fr-FR" smtClean="0"/>
-              <a:t>19/01/2021</a:t>
+              <a:t>20/01/2021</a:t>
             </a:fld>
             <a:endParaRPr lang="fr-FR"/>
           </a:p>
@@ -5965,6 +5969,310 @@
           <p:cNvPr id="2" name="Titre 1">
             <a:extLst>
               <a:ext uri="{FF2B5EF4-FFF2-40B4-BE49-F238E27FC236}">
+                <a16:creationId xmlns:a16="http://schemas.microsoft.com/office/drawing/2014/main" id="{A33B40E4-398A-4949-9A32-EB210260970D}"/>
+              </a:ext>
+            </a:extLst>
+          </p:cNvPr>
+          <p:cNvSpPr>
+            <a:spLocks noGrp="1"/>
+          </p:cNvSpPr>
+          <p:nvPr>
+            <p:ph type="title"/>
+          </p:nvPr>
+        </p:nvSpPr>
+        <p:spPr/>
+        <p:txBody>
+          <a:bodyPr/>
+          <a:lstStyle/>
+          <a:p>
+            <a:r>
+              <a:rPr lang="fr-FR" dirty="0"/>
+              <a:t>Choix d’architecture</a:t>
+            </a:r>
+          </a:p>
+        </p:txBody>
+      </p:sp>
+      <p:sp>
+        <p:nvSpPr>
+          <p:cNvPr id="3" name="Espace réservé du contenu 2">
+            <a:extLst>
+              <a:ext uri="{FF2B5EF4-FFF2-40B4-BE49-F238E27FC236}">
+                <a16:creationId xmlns:a16="http://schemas.microsoft.com/office/drawing/2014/main" id="{5EA90C44-5BC0-4C68-9796-75DA67B59981}"/>
+              </a:ext>
+            </a:extLst>
+          </p:cNvPr>
+          <p:cNvSpPr>
+            <a:spLocks noGrp="1"/>
+          </p:cNvSpPr>
+          <p:nvPr>
+            <p:ph idx="1"/>
+          </p:nvPr>
+        </p:nvSpPr>
+        <p:spPr>
+          <a:xfrm>
+            <a:off x="677334" y="1340528"/>
+            <a:ext cx="8596668" cy="5228947"/>
+          </a:xfrm>
+        </p:spPr>
+        <p:txBody>
+          <a:bodyPr>
+            <a:normAutofit/>
+          </a:bodyPr>
+          <a:lstStyle/>
+          <a:p>
+            <a:r>
+              <a:rPr lang="fr-FR" dirty="0"/>
+              <a:t>Séparation des classes et de l’application dans des fichiers distinct</a:t>
+            </a:r>
+          </a:p>
+          <a:p>
+            <a:r>
+              <a:rPr lang="fr-FR" dirty="0"/>
+              <a:t>Réalisation de user stories pour mettre en lumière les fonctionnalités et la manière de les implémenter</a:t>
+            </a:r>
+          </a:p>
+          <a:p>
+            <a:r>
+              <a:rPr lang="fr-FR" dirty="0"/>
+              <a:t>Utilisation d’un tableau Trello pour organiser les taches correspondantes aux fonctionnalités</a:t>
+            </a:r>
+          </a:p>
+          <a:p>
+            <a:r>
+              <a:rPr lang="fr-FR" dirty="0"/>
+              <a:t>8 classes : Une classe par table(6), une classe de gestion des interactions avec la base de donnée, une classe pour le Parcing des données</a:t>
+            </a:r>
+          </a:p>
+          <a:p>
+            <a:r>
+              <a:rPr lang="fr-FR" dirty="0"/>
+              <a:t>Utilisation de nombreuses méthodes de classes spécialisées</a:t>
+            </a:r>
+          </a:p>
+          <a:p>
+            <a:r>
+              <a:rPr lang="fr-FR" dirty="0"/>
+              <a:t>Création de méthodes de classes pour encapsuler l’utilisation du SQL</a:t>
+            </a:r>
+          </a:p>
+          <a:p>
+            <a:r>
+              <a:rPr lang="fr-FR" dirty="0"/>
+              <a:t>Classes liées à l’utilisateur (User et Saving) non importées dans l’application pour renforcer la sécurité </a:t>
+            </a:r>
+          </a:p>
+          <a:p>
+            <a:r>
+              <a:rPr lang="fr-FR" dirty="0"/>
+              <a:t>Utilisation de tables </a:t>
+            </a:r>
+            <a:r>
+              <a:rPr lang="fr-FR" dirty="0" err="1"/>
+              <a:t>n_n</a:t>
+            </a:r>
+            <a:r>
+              <a:rPr lang="fr-FR" dirty="0"/>
+              <a:t> pour lier la table Product et les tables </a:t>
+            </a:r>
+            <a:r>
+              <a:rPr lang="fr-FR" dirty="0" err="1"/>
+              <a:t>Category</a:t>
+            </a:r>
+            <a:r>
+              <a:rPr lang="fr-FR" dirty="0"/>
+              <a:t>, Store et Brand</a:t>
+            </a:r>
+          </a:p>
+        </p:txBody>
+      </p:sp>
+    </p:spTree>
+    <p:extLst>
+      <p:ext uri="{BB962C8B-B14F-4D97-AF65-F5344CB8AC3E}">
+        <p14:creationId xmlns:p14="http://schemas.microsoft.com/office/powerpoint/2010/main" val="3123989493"/>
+      </p:ext>
+    </p:extLst>
+  </p:cSld>
+  <p:clrMapOvr>
+    <a:masterClrMapping/>
+  </p:clrMapOvr>
+</p:sld>
+</file>
+
+<file path=ppt/slides/slide11.xml><?xml version="1.0" encoding="utf-8"?>
+<p:sld xmlns:a="http://schemas.openxmlformats.org/drawingml/2006/main" xmlns:r="http://schemas.openxmlformats.org/officeDocument/2006/relationships" xmlns:p="http://schemas.openxmlformats.org/presentationml/2006/main">
+  <p:cSld>
+    <p:spTree>
+      <p:nvGrpSpPr>
+        <p:cNvPr id="1" name=""/>
+        <p:cNvGrpSpPr/>
+        <p:nvPr/>
+      </p:nvGrpSpPr>
+      <p:grpSpPr>
+        <a:xfrm>
+          <a:off x="0" y="0"/>
+          <a:ext cx="0" cy="0"/>
+          <a:chOff x="0" y="0"/>
+          <a:chExt cx="0" cy="0"/>
+        </a:xfrm>
+      </p:grpSpPr>
+      <p:sp>
+        <p:nvSpPr>
+          <p:cNvPr id="2" name="Titre 1">
+            <a:extLst>
+              <a:ext uri="{FF2B5EF4-FFF2-40B4-BE49-F238E27FC236}">
+                <a16:creationId xmlns:a16="http://schemas.microsoft.com/office/drawing/2014/main" id="{7A8A7DB2-A691-4B6C-B6FF-B3E3F524D6D8}"/>
+              </a:ext>
+            </a:extLst>
+          </p:cNvPr>
+          <p:cNvSpPr>
+            <a:spLocks noGrp="1"/>
+          </p:cNvSpPr>
+          <p:nvPr>
+            <p:ph type="title"/>
+          </p:nvPr>
+        </p:nvSpPr>
+        <p:spPr/>
+        <p:txBody>
+          <a:bodyPr/>
+          <a:lstStyle/>
+          <a:p>
+            <a:r>
+              <a:rPr lang="fr-FR" dirty="0"/>
+              <a:t>Démonstration</a:t>
+            </a:r>
+          </a:p>
+        </p:txBody>
+      </p:sp>
+      <p:sp>
+        <p:nvSpPr>
+          <p:cNvPr id="3" name="Espace réservé du contenu 2">
+            <a:extLst>
+              <a:ext uri="{FF2B5EF4-FFF2-40B4-BE49-F238E27FC236}">
+                <a16:creationId xmlns:a16="http://schemas.microsoft.com/office/drawing/2014/main" id="{AF189487-65FE-4DC9-8B9C-F31FE592319A}"/>
+              </a:ext>
+            </a:extLst>
+          </p:cNvPr>
+          <p:cNvSpPr>
+            <a:spLocks noGrp="1"/>
+          </p:cNvSpPr>
+          <p:nvPr>
+            <p:ph idx="1"/>
+          </p:nvPr>
+        </p:nvSpPr>
+        <p:spPr/>
+        <p:txBody>
+          <a:bodyPr/>
+          <a:lstStyle/>
+          <a:p>
+            <a:pPr marL="0" indent="0">
+              <a:lnSpc>
+                <a:spcPct val="107000"/>
+              </a:lnSpc>
+              <a:spcAft>
+                <a:spcPts val="800"/>
+              </a:spcAft>
+              <a:buNone/>
+            </a:pPr>
+            <a:r>
+              <a:rPr lang="fr-FR" sz="1600" dirty="0">
+                <a:latin typeface="Calibri" panose="020F0502020204030204" pitchFamily="34" charset="0"/>
+                <a:ea typeface="Calibri" panose="020F0502020204030204" pitchFamily="34" charset="0"/>
+                <a:cs typeface="Times New Roman" panose="02020603050405020304" pitchFamily="18" charset="0"/>
+              </a:rPr>
+              <a:t>Voici le lien vers mon projet, il suffit de lancer le fichier « Application » et de vous laisser guider.</a:t>
+            </a:r>
+          </a:p>
+          <a:p>
+            <a:pPr marL="0" indent="0">
+              <a:lnSpc>
+                <a:spcPct val="107000"/>
+              </a:lnSpc>
+              <a:spcAft>
+                <a:spcPts val="800"/>
+              </a:spcAft>
+              <a:buNone/>
+            </a:pPr>
+            <a:r>
+              <a:rPr lang="fr-FR" dirty="0">
+                <a:latin typeface="Calibri" panose="020F0502020204030204" pitchFamily="34" charset="0"/>
+                <a:ea typeface="Calibri" panose="020F0502020204030204" pitchFamily="34" charset="0"/>
+                <a:cs typeface="Times New Roman" panose="02020603050405020304" pitchFamily="18" charset="0"/>
+              </a:rPr>
+              <a:t>Lien GitHub : </a:t>
+            </a:r>
+          </a:p>
+          <a:p>
+            <a:pPr marL="0" indent="0">
+              <a:lnSpc>
+                <a:spcPct val="107000"/>
+              </a:lnSpc>
+              <a:spcAft>
+                <a:spcPts val="800"/>
+              </a:spcAft>
+              <a:buNone/>
+            </a:pPr>
+            <a:r>
+              <a:rPr lang="fr-FR" dirty="0">
+                <a:latin typeface="Calibri" panose="020F0502020204030204" pitchFamily="34" charset="0"/>
+                <a:ea typeface="Calibri" panose="020F0502020204030204" pitchFamily="34" charset="0"/>
+                <a:cs typeface="Times New Roman" panose="02020603050405020304" pitchFamily="18" charset="0"/>
+              </a:rPr>
+              <a:t>https://github.com/OttaPowa/Projet-5---Phase-2-</a:t>
+            </a:r>
+          </a:p>
+          <a:p>
+            <a:pPr marL="0" indent="0">
+              <a:lnSpc>
+                <a:spcPct val="107000"/>
+              </a:lnSpc>
+              <a:spcAft>
+                <a:spcPts val="800"/>
+              </a:spcAft>
+              <a:buNone/>
+            </a:pPr>
+            <a:endParaRPr lang="fr-FR" sz="1600" dirty="0">
+              <a:latin typeface="Calibri" panose="020F0502020204030204" pitchFamily="34" charset="0"/>
+              <a:ea typeface="Calibri" panose="020F0502020204030204" pitchFamily="34" charset="0"/>
+              <a:cs typeface="Times New Roman" panose="02020603050405020304" pitchFamily="18" charset="0"/>
+            </a:endParaRPr>
+          </a:p>
+        </p:txBody>
+      </p:sp>
+    </p:spTree>
+    <p:extLst>
+      <p:ext uri="{BB962C8B-B14F-4D97-AF65-F5344CB8AC3E}">
+        <p14:creationId xmlns:p14="http://schemas.microsoft.com/office/powerpoint/2010/main" val="210618621"/>
+      </p:ext>
+    </p:extLst>
+  </p:cSld>
+  <p:clrMapOvr>
+    <a:masterClrMapping/>
+  </p:clrMapOvr>
+</p:sld>
+</file>
+
+<file path=ppt/slides/slide12.xml><?xml version="1.0" encoding="utf-8"?>
+<p:sld xmlns:a="http://schemas.openxmlformats.org/drawingml/2006/main" xmlns:r="http://schemas.openxmlformats.org/officeDocument/2006/relationships" xmlns:p="http://schemas.openxmlformats.org/presentationml/2006/main">
+  <p:cSld>
+    <p:spTree>
+      <p:nvGrpSpPr>
+        <p:cNvPr id="1" name=""/>
+        <p:cNvGrpSpPr/>
+        <p:nvPr/>
+      </p:nvGrpSpPr>
+      <p:grpSpPr>
+        <a:xfrm>
+          <a:off x="0" y="0"/>
+          <a:ext cx="0" cy="0"/>
+          <a:chOff x="0" y="0"/>
+          <a:chExt cx="0" cy="0"/>
+        </a:xfrm>
+      </p:grpSpPr>
+      <p:sp>
+        <p:nvSpPr>
+          <p:cNvPr id="2" name="Titre 1">
+            <a:extLst>
+              <a:ext uri="{FF2B5EF4-FFF2-40B4-BE49-F238E27FC236}">
                 <a16:creationId xmlns:a16="http://schemas.microsoft.com/office/drawing/2014/main" id="{73A16F73-1BAA-47FD-AF22-44FACE0072EF}"/>
               </a:ext>
             </a:extLst>
@@ -6078,7 +6386,7 @@
 </p:sld>
 </file>
 
-<file path=ppt/slides/slide11.xml><?xml version="1.0" encoding="utf-8"?>
+<file path=ppt/slides/slide13.xml><?xml version="1.0" encoding="utf-8"?>
 <p:sld xmlns:a="http://schemas.openxmlformats.org/drawingml/2006/main" xmlns:r="http://schemas.openxmlformats.org/officeDocument/2006/relationships" xmlns:p="http://schemas.openxmlformats.org/presentationml/2006/main">
   <p:cSld>
     <p:spTree>
@@ -6239,7 +6547,7 @@
 </p:sld>
 </file>
 
-<file path=ppt/slides/slide12.xml><?xml version="1.0" encoding="utf-8"?>
+<file path=ppt/slides/slide14.xml><?xml version="1.0" encoding="utf-8"?>
 <p:sld xmlns:a="http://schemas.openxmlformats.org/drawingml/2006/main" xmlns:r="http://schemas.openxmlformats.org/officeDocument/2006/relationships" xmlns:p="http://schemas.openxmlformats.org/presentationml/2006/main">
   <p:cSld>
     <p:spTree>
@@ -6871,12 +7179,27 @@
           <a:bodyPr/>
           <a:lstStyle/>
           <a:p>
+            <a:pPr marL="0" indent="0">
+              <a:buNone/>
+            </a:pPr>
             <a:endParaRPr lang="fr-FR" dirty="0"/>
           </a:p>
           <a:p>
             <a:r>
               <a:rPr lang="fr-FR" dirty="0"/>
-              <a:t>Schéma relationnel</a:t>
+              <a:t>Modèle de données relationnel</a:t>
+            </a:r>
+          </a:p>
+          <a:p>
+            <a:r>
+              <a:rPr lang="fr-FR" dirty="0"/>
+              <a:t>User stories</a:t>
+            </a:r>
+          </a:p>
+          <a:p>
+            <a:r>
+              <a:rPr lang="fr-FR" dirty="0"/>
+              <a:t>Tableau Trello</a:t>
             </a:r>
           </a:p>
           <a:p>
@@ -6888,7 +7211,7 @@
           <a:p>
             <a:r>
               <a:rPr lang="fr-FR" dirty="0"/>
-              <a:t>Choix d’architecture (lien Trello et User stories)</a:t>
+              <a:t>Choix d’architecture (lien et Trello User stories)</a:t>
             </a:r>
           </a:p>
         </p:txBody>
@@ -6923,12 +7246,76 @@
           <a:chExt cx="0" cy="0"/>
         </a:xfrm>
       </p:grpSpPr>
+      <p:sp>
+        <p:nvSpPr>
+          <p:cNvPr id="2" name="Titre 1">
+            <a:extLst>
+              <a:ext uri="{FF2B5EF4-FFF2-40B4-BE49-F238E27FC236}">
+                <a16:creationId xmlns:a16="http://schemas.microsoft.com/office/drawing/2014/main" id="{806C96E2-C76E-4F46-883F-6FBE764D4FFD}"/>
+              </a:ext>
+            </a:extLst>
+          </p:cNvPr>
+          <p:cNvSpPr>
+            <a:spLocks noGrp="1"/>
+          </p:cNvSpPr>
+          <p:nvPr>
+            <p:ph type="title"/>
+          </p:nvPr>
+        </p:nvSpPr>
+        <p:spPr/>
+        <p:txBody>
+          <a:bodyPr/>
+          <a:lstStyle/>
+          <a:p>
+            <a:r>
+              <a:rPr lang="fr-FR" dirty="0"/>
+              <a:t>User stories:</a:t>
+            </a:r>
+          </a:p>
+        </p:txBody>
+      </p:sp>
+      <p:sp>
+        <p:nvSpPr>
+          <p:cNvPr id="3" name="Espace réservé du contenu 2">
+            <a:extLst>
+              <a:ext uri="{FF2B5EF4-FFF2-40B4-BE49-F238E27FC236}">
+                <a16:creationId xmlns:a16="http://schemas.microsoft.com/office/drawing/2014/main" id="{D838A4B2-A9C5-4ECE-B896-E36D60728F87}"/>
+              </a:ext>
+            </a:extLst>
+          </p:cNvPr>
+          <p:cNvSpPr>
+            <a:spLocks noGrp="1"/>
+          </p:cNvSpPr>
+          <p:nvPr>
+            <p:ph idx="1"/>
+          </p:nvPr>
+        </p:nvSpPr>
+        <p:spPr>
+          <a:xfrm>
+            <a:off x="677334" y="1287262"/>
+            <a:ext cx="8596668" cy="5326601"/>
+          </a:xfrm>
+        </p:spPr>
+        <p:txBody>
+          <a:bodyPr/>
+          <a:lstStyle/>
+          <a:p>
+            <a:r>
+              <a:rPr lang="fr-FR" dirty="0"/>
+              <a:t>Lien GitHub User stories: https://github.com/OttaPowa/Projet-5---Phase-2-/blob/main/Diagrammes%20et%20documents/User%20story%20P5%20Collet%20J%C3%A9r%C3%A9my.pdf</a:t>
+            </a:r>
+          </a:p>
+          <a:p>
+            <a:endParaRPr lang="fr-FR" dirty="0"/>
+          </a:p>
+        </p:txBody>
+      </p:sp>
       <p:pic>
         <p:nvPicPr>
-          <p:cNvPr id="7" name="Image 6">
+          <p:cNvPr id="5" name="Image 4">
             <a:extLst>
               <a:ext uri="{FF2B5EF4-FFF2-40B4-BE49-F238E27FC236}">
-                <a16:creationId xmlns:a16="http://schemas.microsoft.com/office/drawing/2014/main" id="{2F778170-A111-4A1F-BDFD-99DAB389C43E}"/>
+                <a16:creationId xmlns:a16="http://schemas.microsoft.com/office/drawing/2014/main" id="{E342EC92-F02E-45D9-BD50-4D1CE8910E4D}"/>
               </a:ext>
             </a:extLst>
           </p:cNvPr>
@@ -6951,56 +7338,18 @@
         </p:blipFill>
         <p:spPr>
           <a:xfrm>
-            <a:off x="1061879" y="1025236"/>
-            <a:ext cx="6577571" cy="5448155"/>
+            <a:off x="2098374" y="2278278"/>
+            <a:ext cx="5770778" cy="4335585"/>
           </a:xfrm>
           <a:prstGeom prst="rect">
             <a:avLst/>
           </a:prstGeom>
         </p:spPr>
       </p:pic>
-      <p:sp>
-        <p:nvSpPr>
-          <p:cNvPr id="2" name="Titre 1">
-            <a:extLst>
-              <a:ext uri="{FF2B5EF4-FFF2-40B4-BE49-F238E27FC236}">
-                <a16:creationId xmlns:a16="http://schemas.microsoft.com/office/drawing/2014/main" id="{5DBF3D14-C86B-4031-9C18-513096ADB108}"/>
-              </a:ext>
-            </a:extLst>
-          </p:cNvPr>
-          <p:cNvSpPr>
-            <a:spLocks noGrp="1"/>
-          </p:cNvSpPr>
-          <p:nvPr>
-            <p:ph type="title"/>
-          </p:nvPr>
-        </p:nvSpPr>
-        <p:spPr>
-          <a:xfrm>
-            <a:off x="677334" y="609600"/>
-            <a:ext cx="8596668" cy="831273"/>
-          </a:xfrm>
-          <a:solidFill>
-            <a:schemeClr val="bg1"/>
-          </a:solidFill>
-        </p:spPr>
-        <p:txBody>
-          <a:bodyPr>
-            <a:normAutofit/>
-          </a:bodyPr>
-          <a:lstStyle/>
-          <a:p>
-            <a:r>
-              <a:rPr lang="fr-FR" dirty="0"/>
-              <a:t>Schéma relationnel:</a:t>
-            </a:r>
-          </a:p>
-        </p:txBody>
-      </p:sp>
     </p:spTree>
     <p:extLst>
       <p:ext uri="{BB962C8B-B14F-4D97-AF65-F5344CB8AC3E}">
-        <p14:creationId xmlns:p14="http://schemas.microsoft.com/office/powerpoint/2010/main" val="147170446"/>
+        <p14:creationId xmlns:p14="http://schemas.microsoft.com/office/powerpoint/2010/main" val="939164771"/>
       </p:ext>
     </p:extLst>
   </p:cSld>
@@ -7027,12 +7376,48 @@
           <a:chExt cx="0" cy="0"/>
         </a:xfrm>
       </p:grpSpPr>
+      <p:pic>
+        <p:nvPicPr>
+          <p:cNvPr id="4" name="Image 3">
+            <a:extLst>
+              <a:ext uri="{FF2B5EF4-FFF2-40B4-BE49-F238E27FC236}">
+                <a16:creationId xmlns:a16="http://schemas.microsoft.com/office/drawing/2014/main" id="{CCE76402-511B-4544-8207-F38CA9C0F69D}"/>
+              </a:ext>
+            </a:extLst>
+          </p:cNvPr>
+          <p:cNvPicPr>
+            <a:picLocks noChangeAspect="1"/>
+          </p:cNvPicPr>
+          <p:nvPr/>
+        </p:nvPicPr>
+        <p:blipFill>
+          <a:blip r:embed="rId2">
+            <a:extLst>
+              <a:ext uri="{28A0092B-C50C-407E-A947-70E740481C1C}">
+                <a14:useLocalDpi xmlns:a14="http://schemas.microsoft.com/office/drawing/2010/main" val="0"/>
+              </a:ext>
+            </a:extLst>
+          </a:blip>
+          <a:stretch>
+            <a:fillRect/>
+          </a:stretch>
+        </p:blipFill>
+        <p:spPr>
+          <a:xfrm>
+            <a:off x="1476606" y="745724"/>
+            <a:ext cx="6586596" cy="5812192"/>
+          </a:xfrm>
+          <a:prstGeom prst="rect">
+            <a:avLst/>
+          </a:prstGeom>
+        </p:spPr>
+      </p:pic>
       <p:sp>
         <p:nvSpPr>
           <p:cNvPr id="2" name="Titre 1">
             <a:extLst>
               <a:ext uri="{FF2B5EF4-FFF2-40B4-BE49-F238E27FC236}">
-                <a16:creationId xmlns:a16="http://schemas.microsoft.com/office/drawing/2014/main" id="{AA802C78-A54A-4CD5-809B-5AE0E88D5715}"/>
+                <a16:creationId xmlns:a16="http://schemas.microsoft.com/office/drawing/2014/main" id="{5DBF3D14-C86B-4031-9C18-513096ADB108}"/>
               </a:ext>
             </a:extLst>
           </p:cNvPr>
@@ -7045,114 +7430,30 @@
         </p:nvSpPr>
         <p:spPr>
           <a:xfrm>
-            <a:off x="677334" y="609599"/>
-            <a:ext cx="8596668" cy="2923713"/>
+            <a:off x="677334" y="609600"/>
+            <a:ext cx="8596668" cy="831273"/>
           </a:xfrm>
+          <a:solidFill>
+            <a:schemeClr val="bg1"/>
+          </a:solidFill>
         </p:spPr>
         <p:txBody>
           <a:bodyPr>
-            <a:normAutofit fontScale="90000"/>
+            <a:normAutofit/>
           </a:bodyPr>
           <a:lstStyle/>
           <a:p>
             <a:r>
-              <a:rPr lang="fr-FR" sz="4000" dirty="0"/>
-              <a:t>Diagramme de flux:</a:t>
-            </a:r>
-            <a:br>
               <a:rPr lang="fr-FR" dirty="0"/>
-            </a:br>
-            <a:br>
-              <a:rPr lang="fr-FR" dirty="0"/>
-            </a:br>
-            <a:r>
-              <a:rPr lang="fr-FR" sz="1800" dirty="0">
-                <a:solidFill>
-                  <a:schemeClr val="tx1">
-                    <a:lumMod val="75000"/>
-                    <a:lumOff val="25000"/>
-                  </a:schemeClr>
-                </a:solidFill>
-              </a:rPr>
-              <a:t>Le diagramme de flux est trop grand pour être affiché ici.</a:t>
-            </a:r>
-            <a:br>
-              <a:rPr lang="fr-FR" sz="1800" dirty="0">
-                <a:solidFill>
-                  <a:schemeClr val="tx1">
-                    <a:lumMod val="75000"/>
-                    <a:lumOff val="25000"/>
-                  </a:schemeClr>
-                </a:solidFill>
-              </a:rPr>
-            </a:br>
-            <a:br>
-              <a:rPr lang="fr-FR" sz="1800" dirty="0">
-                <a:solidFill>
-                  <a:schemeClr val="tx1">
-                    <a:lumMod val="75000"/>
-                    <a:lumOff val="25000"/>
-                  </a:schemeClr>
-                </a:solidFill>
-              </a:rPr>
-            </a:br>
-            <a:r>
-              <a:rPr lang="fr-FR" sz="1800" dirty="0">
-                <a:solidFill>
-                  <a:schemeClr val="tx1">
-                    <a:lumMod val="75000"/>
-                    <a:lumOff val="25000"/>
-                  </a:schemeClr>
-                </a:solidFill>
-              </a:rPr>
-              <a:t>Lien GitHub:</a:t>
-            </a:r>
-            <a:br>
-              <a:rPr lang="fr-FR" sz="1800" dirty="0">
-                <a:solidFill>
-                  <a:schemeClr val="tx1">
-                    <a:lumMod val="75000"/>
-                    <a:lumOff val="25000"/>
-                  </a:schemeClr>
-                </a:solidFill>
-              </a:rPr>
-            </a:br>
-            <a:br>
-              <a:rPr lang="fr-FR" sz="1800" dirty="0">
-                <a:solidFill>
-                  <a:schemeClr val="tx1">
-                    <a:lumMod val="75000"/>
-                    <a:lumOff val="25000"/>
-                  </a:schemeClr>
-                </a:solidFill>
-              </a:rPr>
-            </a:br>
-            <a:r>
-              <a:rPr lang="fr-FR" sz="1800" dirty="0">
-                <a:solidFill>
-                  <a:schemeClr val="tx1">
-                    <a:lumMod val="75000"/>
-                    <a:lumOff val="25000"/>
-                  </a:schemeClr>
-                </a:solidFill>
-              </a:rPr>
-              <a:t>https://github.com/OttaPowa/Projet-5---Phase-2-/blob/main/Diagrammes%20et%20documents/Diagramme%20de%20fux%20projet5.pdf</a:t>
-            </a:r>
-            <a:endParaRPr lang="fr-FR" sz="1100" dirty="0">
-              <a:solidFill>
-                <a:schemeClr val="tx1">
-                  <a:lumMod val="75000"/>
-                  <a:lumOff val="25000"/>
-                </a:schemeClr>
-              </a:solidFill>
-            </a:endParaRPr>
+              <a:t>Modèle de données relationnel:</a:t>
+            </a:r>
           </a:p>
         </p:txBody>
       </p:sp>
     </p:spTree>
     <p:extLst>
       <p:ext uri="{BB962C8B-B14F-4D97-AF65-F5344CB8AC3E}">
-        <p14:creationId xmlns:p14="http://schemas.microsoft.com/office/powerpoint/2010/main" val="1476971493"/>
+        <p14:creationId xmlns:p14="http://schemas.microsoft.com/office/powerpoint/2010/main" val="147170446"/>
       </p:ext>
     </p:extLst>
   </p:cSld>
@@ -7184,7 +7485,7 @@
           <p:cNvPr id="2" name="Titre 1">
             <a:extLst>
               <a:ext uri="{FF2B5EF4-FFF2-40B4-BE49-F238E27FC236}">
-                <a16:creationId xmlns:a16="http://schemas.microsoft.com/office/drawing/2014/main" id="{A33B40E4-398A-4949-9A32-EB210260970D}"/>
+                <a16:creationId xmlns:a16="http://schemas.microsoft.com/office/drawing/2014/main" id="{A7470C80-6895-42DA-9979-ACF8318FFA0E}"/>
               </a:ext>
             </a:extLst>
           </p:cNvPr>
@@ -7195,14 +7496,21 @@
             <p:ph type="title"/>
           </p:nvPr>
         </p:nvSpPr>
-        <p:spPr/>
-        <p:txBody>
-          <a:bodyPr/>
+        <p:spPr>
+          <a:xfrm>
+            <a:off x="677334" y="609599"/>
+            <a:ext cx="8596668" cy="766439"/>
+          </a:xfrm>
+        </p:spPr>
+        <p:txBody>
+          <a:bodyPr>
+            <a:normAutofit/>
+          </a:bodyPr>
           <a:lstStyle/>
           <a:p>
             <a:r>
               <a:rPr lang="fr-FR" dirty="0"/>
-              <a:t>Choix d’architecture</a:t>
+              <a:t>Trello:</a:t>
             </a:r>
           </a:p>
         </p:txBody>
@@ -7212,7 +7520,7 @@
           <p:cNvPr id="3" name="Espace réservé du contenu 2">
             <a:extLst>
               <a:ext uri="{FF2B5EF4-FFF2-40B4-BE49-F238E27FC236}">
-                <a16:creationId xmlns:a16="http://schemas.microsoft.com/office/drawing/2014/main" id="{5EA90C44-5BC0-4C68-9796-75DA67B59981}"/>
+                <a16:creationId xmlns:a16="http://schemas.microsoft.com/office/drawing/2014/main" id="{80FDC8FC-80C6-4C3D-81AF-5BE4E757A220}"/>
               </a:ext>
             </a:extLst>
           </p:cNvPr>
@@ -7225,99 +7533,67 @@
         </p:nvSpPr>
         <p:spPr>
           <a:xfrm>
-            <a:off x="677334" y="1340528"/>
-            <a:ext cx="8596668" cy="5228947"/>
+            <a:off x="677334" y="1251751"/>
+            <a:ext cx="8596668" cy="4789611"/>
           </a:xfrm>
         </p:spPr>
         <p:txBody>
-          <a:bodyPr>
-            <a:normAutofit fontScale="92500" lnSpcReduction="10000"/>
-          </a:bodyPr>
-          <a:lstStyle/>
-          <a:p>
-            <a:r>
-              <a:rPr lang="fr-FR" dirty="0"/>
-              <a:t>Séparation des classes et de l’application dans des fichiers distinct</a:t>
-            </a:r>
-          </a:p>
-          <a:p>
-            <a:r>
-              <a:rPr lang="fr-FR" dirty="0"/>
-              <a:t>Réalisation de user stories pour mettre en lumière les fonctionnalités et la manière de les implémenter</a:t>
-            </a:r>
-          </a:p>
-          <a:p>
-            <a:pPr lvl="1"/>
-            <a:r>
-              <a:rPr lang="fr-FR" dirty="0"/>
-              <a:t>Lien GitHub User stories: https://github.com/OttaPowa/Projet-5---Phase-2-/blob/main/Diagrammes%20et%20documents/User%20story%20P5%20Collet%20J%C3%A9r%C3%A9my.pdf</a:t>
-            </a:r>
-          </a:p>
-          <a:p>
-            <a:r>
-              <a:rPr lang="fr-FR" dirty="0"/>
-              <a:t>Utilisation d’un tableau Trello pour organiser les taches correspondantes aux fonctionnalités</a:t>
-            </a:r>
-          </a:p>
-          <a:p>
-            <a:pPr lvl="1"/>
+          <a:bodyPr/>
+          <a:lstStyle/>
+          <a:p>
+            <a:pPr marL="0" indent="0">
+              <a:buNone/>
+            </a:pPr>
             <a:r>
               <a:rPr lang="fr-FR" dirty="0"/>
               <a:t>Lien tableau Trello: https://trello.com/b/zoZFq5pf/projet-5</a:t>
             </a:r>
           </a:p>
           <a:p>
-            <a:r>
-              <a:rPr lang="fr-FR" dirty="0"/>
-              <a:t>8 classes : Une classe par table(6), une classe de gestion des interactions avec la base de donnée, une classe pour le Parcing des données</a:t>
-            </a:r>
-          </a:p>
-          <a:p>
-            <a:r>
-              <a:rPr lang="fr-FR" dirty="0"/>
-              <a:t>Utilisation de nombreuses méthodes de classes spécialisées</a:t>
-            </a:r>
-          </a:p>
-          <a:p>
-            <a:r>
-              <a:rPr lang="fr-FR" dirty="0"/>
-              <a:t>Création de méthodes de classes pour encapsuler l’utilisation du SQL</a:t>
-            </a:r>
-          </a:p>
-          <a:p>
-            <a:r>
-              <a:rPr lang="fr-FR" dirty="0"/>
-              <a:t>Classes liées à l’utilisateur (User et Saving) non importées dans l’application pour renforcer la sécurité </a:t>
-            </a:r>
-          </a:p>
-          <a:p>
-            <a:r>
-              <a:rPr lang="fr-FR" dirty="0"/>
-              <a:t>Utilisation de tables </a:t>
-            </a:r>
-            <a:r>
-              <a:rPr lang="fr-FR" dirty="0" err="1"/>
-              <a:t>n_n</a:t>
-            </a:r>
-            <a:r>
-              <a:rPr lang="fr-FR" dirty="0"/>
-              <a:t> pour lier la table Product et les tables </a:t>
-            </a:r>
-            <a:r>
-              <a:rPr lang="fr-FR" dirty="0" err="1"/>
-              <a:t>Category</a:t>
-            </a:r>
-            <a:r>
-              <a:rPr lang="fr-FR" dirty="0"/>
-              <a:t>, Store et Brand</a:t>
-            </a:r>
-          </a:p>
-        </p:txBody>
-      </p:sp>
+            <a:endParaRPr lang="fr-FR" dirty="0"/>
+          </a:p>
+        </p:txBody>
+      </p:sp>
+      <p:pic>
+        <p:nvPicPr>
+          <p:cNvPr id="5" name="Image 4">
+            <a:extLst>
+              <a:ext uri="{FF2B5EF4-FFF2-40B4-BE49-F238E27FC236}">
+                <a16:creationId xmlns:a16="http://schemas.microsoft.com/office/drawing/2014/main" id="{EE95A3BE-CA43-4705-90E9-E8382180C557}"/>
+              </a:ext>
+            </a:extLst>
+          </p:cNvPr>
+          <p:cNvPicPr>
+            <a:picLocks noChangeAspect="1"/>
+          </p:cNvPicPr>
+          <p:nvPr/>
+        </p:nvPicPr>
+        <p:blipFill>
+          <a:blip r:embed="rId2">
+            <a:extLst>
+              <a:ext uri="{28A0092B-C50C-407E-A947-70E740481C1C}">
+                <a14:useLocalDpi xmlns:a14="http://schemas.microsoft.com/office/drawing/2010/main" val="0"/>
+              </a:ext>
+            </a:extLst>
+          </a:blip>
+          <a:stretch>
+            <a:fillRect/>
+          </a:stretch>
+        </p:blipFill>
+        <p:spPr>
+          <a:xfrm>
+            <a:off x="723435" y="1651247"/>
+            <a:ext cx="8378118" cy="4955568"/>
+          </a:xfrm>
+          <a:prstGeom prst="rect">
+            <a:avLst/>
+          </a:prstGeom>
+        </p:spPr>
+      </p:pic>
     </p:spTree>
     <p:extLst>
       <p:ext uri="{BB962C8B-B14F-4D97-AF65-F5344CB8AC3E}">
-        <p14:creationId xmlns:p14="http://schemas.microsoft.com/office/powerpoint/2010/main" val="3123989493"/>
+        <p14:creationId xmlns:p14="http://schemas.microsoft.com/office/powerpoint/2010/main" val="3731983546"/>
       </p:ext>
     </p:extLst>
   </p:cSld>
@@ -7349,7 +7625,7 @@
           <p:cNvPr id="2" name="Titre 1">
             <a:extLst>
               <a:ext uri="{FF2B5EF4-FFF2-40B4-BE49-F238E27FC236}">
-                <a16:creationId xmlns:a16="http://schemas.microsoft.com/office/drawing/2014/main" id="{7A8A7DB2-A691-4B6C-B6FF-B3E3F524D6D8}"/>
+                <a16:creationId xmlns:a16="http://schemas.microsoft.com/office/drawing/2014/main" id="{AA802C78-A54A-4CD5-809B-5AE0E88D5715}"/>
               </a:ext>
             </a:extLst>
           </p:cNvPr>
@@ -7360,117 +7636,142 @@
             <p:ph type="title"/>
           </p:nvPr>
         </p:nvSpPr>
-        <p:spPr/>
-        <p:txBody>
-          <a:bodyPr/>
-          <a:lstStyle/>
-          <a:p>
-            <a:r>
+        <p:spPr>
+          <a:xfrm>
+            <a:off x="677334" y="609599"/>
+            <a:ext cx="8596668" cy="2462075"/>
+          </a:xfrm>
+        </p:spPr>
+        <p:txBody>
+          <a:bodyPr>
+            <a:normAutofit fontScale="90000"/>
+          </a:bodyPr>
+          <a:lstStyle/>
+          <a:p>
+            <a:r>
+              <a:rPr lang="fr-FR" sz="4000" dirty="0"/>
+              <a:t>Diagramme de flux:</a:t>
+            </a:r>
+            <a:br>
               <a:rPr lang="fr-FR" dirty="0"/>
-              <a:t>Démonstration</a:t>
-            </a:r>
-          </a:p>
-        </p:txBody>
-      </p:sp>
-      <p:sp>
-        <p:nvSpPr>
-          <p:cNvPr id="3" name="Espace réservé du contenu 2">
+            </a:br>
+            <a:br>
+              <a:rPr lang="fr-FR" dirty="0"/>
+            </a:br>
+            <a:r>
+              <a:rPr lang="fr-FR" sz="1800" dirty="0">
+                <a:solidFill>
+                  <a:schemeClr val="tx1">
+                    <a:lumMod val="75000"/>
+                    <a:lumOff val="25000"/>
+                  </a:schemeClr>
+                </a:solidFill>
+              </a:rPr>
+              <a:t>Le diagramme de flux est trop grand pour être affiché ici.</a:t>
+            </a:r>
+            <a:br>
+              <a:rPr lang="fr-FR" sz="1800" dirty="0">
+                <a:solidFill>
+                  <a:schemeClr val="tx1">
+                    <a:lumMod val="75000"/>
+                    <a:lumOff val="25000"/>
+                  </a:schemeClr>
+                </a:solidFill>
+              </a:rPr>
+            </a:br>
+            <a:br>
+              <a:rPr lang="fr-FR" sz="1800" dirty="0">
+                <a:solidFill>
+                  <a:schemeClr val="tx1">
+                    <a:lumMod val="75000"/>
+                    <a:lumOff val="25000"/>
+                  </a:schemeClr>
+                </a:solidFill>
+              </a:rPr>
+            </a:br>
+            <a:r>
+              <a:rPr lang="fr-FR" sz="1800" dirty="0">
+                <a:solidFill>
+                  <a:schemeClr val="tx1">
+                    <a:lumMod val="75000"/>
+                    <a:lumOff val="25000"/>
+                  </a:schemeClr>
+                </a:solidFill>
+              </a:rPr>
+              <a:t>Lien GitHub:</a:t>
+            </a:r>
+            <a:br>
+              <a:rPr lang="fr-FR" sz="1800" dirty="0">
+                <a:solidFill>
+                  <a:schemeClr val="tx1">
+                    <a:lumMod val="75000"/>
+                    <a:lumOff val="25000"/>
+                  </a:schemeClr>
+                </a:solidFill>
+              </a:rPr>
+            </a:br>
+            <a:r>
+              <a:rPr lang="fr-FR" sz="1800" dirty="0">
+                <a:solidFill>
+                  <a:schemeClr val="tx1">
+                    <a:lumMod val="75000"/>
+                    <a:lumOff val="25000"/>
+                  </a:schemeClr>
+                </a:solidFill>
+              </a:rPr>
+              <a:t>https://github.com/OttaPowa/Projet-5---Phase-2-/blob/main/Diagrammes%20et%20documents/Diagramme%20de%20fux%20projet5.pdf</a:t>
+            </a:r>
+            <a:endParaRPr lang="fr-FR" sz="1100" dirty="0">
+              <a:solidFill>
+                <a:schemeClr val="tx1">
+                  <a:lumMod val="75000"/>
+                  <a:lumOff val="25000"/>
+                </a:schemeClr>
+              </a:solidFill>
+            </a:endParaRPr>
+          </a:p>
+        </p:txBody>
+      </p:sp>
+      <p:pic>
+        <p:nvPicPr>
+          <p:cNvPr id="6" name="Image 5">
             <a:extLst>
               <a:ext uri="{FF2B5EF4-FFF2-40B4-BE49-F238E27FC236}">
-                <a16:creationId xmlns:a16="http://schemas.microsoft.com/office/drawing/2014/main" id="{AF189487-65FE-4DC9-8B9C-F31FE592319A}"/>
+                <a16:creationId xmlns:a16="http://schemas.microsoft.com/office/drawing/2014/main" id="{BC4C842A-89CA-42D7-8128-DC158C4A4B8D}"/>
               </a:ext>
             </a:extLst>
           </p:cNvPr>
-          <p:cNvSpPr>
-            <a:spLocks noGrp="1"/>
-          </p:cNvSpPr>
-          <p:nvPr>
-            <p:ph idx="1"/>
-          </p:nvPr>
-        </p:nvSpPr>
-        <p:spPr/>
-        <p:txBody>
-          <a:bodyPr/>
-          <a:lstStyle/>
-          <a:p>
-            <a:pPr marL="0" indent="0">
-              <a:lnSpc>
-                <a:spcPct val="107000"/>
-              </a:lnSpc>
-              <a:spcAft>
-                <a:spcPts val="800"/>
-              </a:spcAft>
-              <a:buNone/>
-            </a:pPr>
-            <a:r>
-              <a:rPr lang="fr-FR" sz="1600" dirty="0">
-                <a:latin typeface="Calibri" panose="020F0502020204030204" pitchFamily="34" charset="0"/>
-                <a:ea typeface="Calibri" panose="020F0502020204030204" pitchFamily="34" charset="0"/>
-                <a:cs typeface="Times New Roman" panose="02020603050405020304" pitchFamily="18" charset="0"/>
-              </a:rPr>
-              <a:t>Voici le lien vers mon projet, il suffit de lancer le fichier « Application » et de vous laisser guider.</a:t>
-            </a:r>
-          </a:p>
-          <a:p>
-            <a:pPr marL="0" indent="0">
-              <a:lnSpc>
-                <a:spcPct val="107000"/>
-              </a:lnSpc>
-              <a:spcAft>
-                <a:spcPts val="800"/>
-              </a:spcAft>
-              <a:buNone/>
-            </a:pPr>
-            <a:r>
-              <a:rPr lang="fr-FR" dirty="0">
-                <a:latin typeface="Calibri" panose="020F0502020204030204" pitchFamily="34" charset="0"/>
-                <a:ea typeface="Calibri" panose="020F0502020204030204" pitchFamily="34" charset="0"/>
-                <a:cs typeface="Times New Roman" panose="02020603050405020304" pitchFamily="18" charset="0"/>
-              </a:rPr>
-              <a:t>Lien GitHub : </a:t>
-            </a:r>
-          </a:p>
-          <a:p>
-            <a:pPr marL="0" indent="0">
-              <a:lnSpc>
-                <a:spcPct val="107000"/>
-              </a:lnSpc>
-              <a:spcAft>
-                <a:spcPts val="800"/>
-              </a:spcAft>
-              <a:buNone/>
-            </a:pPr>
-            <a:r>
-              <a:rPr lang="fr-FR" dirty="0">
-                <a:latin typeface="Calibri" panose="020F0502020204030204" pitchFamily="34" charset="0"/>
-                <a:ea typeface="Calibri" panose="020F0502020204030204" pitchFamily="34" charset="0"/>
-                <a:cs typeface="Times New Roman" panose="02020603050405020304" pitchFamily="18" charset="0"/>
-              </a:rPr>
-              <a:t>https://github.com/OttaPowa/Projet-5---Phase-2-</a:t>
-            </a:r>
-          </a:p>
-          <a:p>
-            <a:pPr marL="0" indent="0">
-              <a:lnSpc>
-                <a:spcPct val="107000"/>
-              </a:lnSpc>
-              <a:spcAft>
-                <a:spcPts val="800"/>
-              </a:spcAft>
-              <a:buNone/>
-            </a:pPr>
-            <a:endParaRPr lang="fr-FR" sz="1600" dirty="0">
-              <a:latin typeface="Calibri" panose="020F0502020204030204" pitchFamily="34" charset="0"/>
-              <a:ea typeface="Calibri" panose="020F0502020204030204" pitchFamily="34" charset="0"/>
-              <a:cs typeface="Times New Roman" panose="02020603050405020304" pitchFamily="18" charset="0"/>
-            </a:endParaRPr>
-          </a:p>
-        </p:txBody>
-      </p:sp>
+          <p:cNvPicPr>
+            <a:picLocks noChangeAspect="1"/>
+          </p:cNvPicPr>
+          <p:nvPr/>
+        </p:nvPicPr>
+        <p:blipFill>
+          <a:blip r:embed="rId2">
+            <a:extLst>
+              <a:ext uri="{28A0092B-C50C-407E-A947-70E740481C1C}">
+                <a14:useLocalDpi xmlns:a14="http://schemas.microsoft.com/office/drawing/2010/main" val="0"/>
+              </a:ext>
+            </a:extLst>
+          </a:blip>
+          <a:stretch>
+            <a:fillRect/>
+          </a:stretch>
+        </p:blipFill>
+        <p:spPr>
+          <a:xfrm>
+            <a:off x="2182083" y="2981163"/>
+            <a:ext cx="5328426" cy="3664738"/>
+          </a:xfrm>
+          <a:prstGeom prst="rect">
+            <a:avLst/>
+          </a:prstGeom>
+        </p:spPr>
+      </p:pic>
     </p:spTree>
     <p:extLst>
       <p:ext uri="{BB962C8B-B14F-4D97-AF65-F5344CB8AC3E}">
-        <p14:creationId xmlns:p14="http://schemas.microsoft.com/office/powerpoint/2010/main" val="210618621"/>
+        <p14:creationId xmlns:p14="http://schemas.microsoft.com/office/powerpoint/2010/main" val="1476971493"/>
       </p:ext>
     </p:extLst>
   </p:cSld>

--- a/Diagrammes et documents/Support de présentation P5 Collet Jérémy.pptx
+++ b/Diagrammes et documents/Support de présentation P5 Collet Jérémy.pptx
@@ -869,7 +869,7 @@
           <a:p>
             <a:fld id="{3C9D912C-6682-42C2-92AE-A7A0DF3339C6}" type="datetimeFigureOut">
               <a:rPr lang="fr-FR" smtClean="0"/>
-              <a:t>20/01/2021</a:t>
+              <a:t>25/01/2021</a:t>
             </a:fld>
             <a:endParaRPr lang="fr-FR"/>
           </a:p>
@@ -1120,7 +1120,7 @@
           <a:p>
             <a:fld id="{3C9D912C-6682-42C2-92AE-A7A0DF3339C6}" type="datetimeFigureOut">
               <a:rPr lang="fr-FR" smtClean="0"/>
-              <a:t>20/01/2021</a:t>
+              <a:t>25/01/2021</a:t>
             </a:fld>
             <a:endParaRPr lang="fr-FR"/>
           </a:p>
@@ -1434,7 +1434,7 @@
           <a:p>
             <a:fld id="{3C9D912C-6682-42C2-92AE-A7A0DF3339C6}" type="datetimeFigureOut">
               <a:rPr lang="fr-FR" smtClean="0"/>
-              <a:t>20/01/2021</a:t>
+              <a:t>25/01/2021</a:t>
             </a:fld>
             <a:endParaRPr lang="fr-FR"/>
           </a:p>
@@ -1775,7 +1775,7 @@
           <a:p>
             <a:fld id="{3C9D912C-6682-42C2-92AE-A7A0DF3339C6}" type="datetimeFigureOut">
               <a:rPr lang="fr-FR" smtClean="0"/>
-              <a:t>20/01/2021</a:t>
+              <a:t>25/01/2021</a:t>
             </a:fld>
             <a:endParaRPr lang="fr-FR"/>
           </a:p>
@@ -2089,7 +2089,7 @@
           <a:p>
             <a:fld id="{3C9D912C-6682-42C2-92AE-A7A0DF3339C6}" type="datetimeFigureOut">
               <a:rPr lang="fr-FR" smtClean="0"/>
-              <a:t>20/01/2021</a:t>
+              <a:t>25/01/2021</a:t>
             </a:fld>
             <a:endParaRPr lang="fr-FR"/>
           </a:p>
@@ -2482,7 +2482,7 @@
           <a:p>
             <a:fld id="{3C9D912C-6682-42C2-92AE-A7A0DF3339C6}" type="datetimeFigureOut">
               <a:rPr lang="fr-FR" smtClean="0"/>
-              <a:t>20/01/2021</a:t>
+              <a:t>25/01/2021</a:t>
             </a:fld>
             <a:endParaRPr lang="fr-FR"/>
           </a:p>
@@ -2652,7 +2652,7 @@
           <a:p>
             <a:fld id="{3C9D912C-6682-42C2-92AE-A7A0DF3339C6}" type="datetimeFigureOut">
               <a:rPr lang="fr-FR" smtClean="0"/>
-              <a:t>20/01/2021</a:t>
+              <a:t>25/01/2021</a:t>
             </a:fld>
             <a:endParaRPr lang="fr-FR"/>
           </a:p>
@@ -2832,7 +2832,7 @@
           <a:p>
             <a:fld id="{3C9D912C-6682-42C2-92AE-A7A0DF3339C6}" type="datetimeFigureOut">
               <a:rPr lang="fr-FR" smtClean="0"/>
-              <a:t>20/01/2021</a:t>
+              <a:t>25/01/2021</a:t>
             </a:fld>
             <a:endParaRPr lang="fr-FR"/>
           </a:p>
@@ -3008,7 +3008,7 @@
           <a:p>
             <a:fld id="{3C9D912C-6682-42C2-92AE-A7A0DF3339C6}" type="datetimeFigureOut">
               <a:rPr lang="fr-FR" smtClean="0"/>
-              <a:t>20/01/2021</a:t>
+              <a:t>25/01/2021</a:t>
             </a:fld>
             <a:endParaRPr lang="fr-FR"/>
           </a:p>
@@ -3255,7 +3255,7 @@
           <a:p>
             <a:fld id="{3C9D912C-6682-42C2-92AE-A7A0DF3339C6}" type="datetimeFigureOut">
               <a:rPr lang="fr-FR" smtClean="0"/>
-              <a:t>20/01/2021</a:t>
+              <a:t>25/01/2021</a:t>
             </a:fld>
             <a:endParaRPr lang="fr-FR"/>
           </a:p>
@@ -3487,7 +3487,7 @@
           <a:p>
             <a:fld id="{3C9D912C-6682-42C2-92AE-A7A0DF3339C6}" type="datetimeFigureOut">
               <a:rPr lang="fr-FR" smtClean="0"/>
-              <a:t>20/01/2021</a:t>
+              <a:t>25/01/2021</a:t>
             </a:fld>
             <a:endParaRPr lang="fr-FR"/>
           </a:p>
@@ -3861,7 +3861,7 @@
           <a:p>
             <a:fld id="{3C9D912C-6682-42C2-92AE-A7A0DF3339C6}" type="datetimeFigureOut">
               <a:rPr lang="fr-FR" smtClean="0"/>
-              <a:t>20/01/2021</a:t>
+              <a:t>25/01/2021</a:t>
             </a:fld>
             <a:endParaRPr lang="fr-FR"/>
           </a:p>
@@ -3984,7 +3984,7 @@
           <a:p>
             <a:fld id="{3C9D912C-6682-42C2-92AE-A7A0DF3339C6}" type="datetimeFigureOut">
               <a:rPr lang="fr-FR" smtClean="0"/>
-              <a:t>20/01/2021</a:t>
+              <a:t>25/01/2021</a:t>
             </a:fld>
             <a:endParaRPr lang="fr-FR"/>
           </a:p>
@@ -4079,7 +4079,7 @@
           <a:p>
             <a:fld id="{3C9D912C-6682-42C2-92AE-A7A0DF3339C6}" type="datetimeFigureOut">
               <a:rPr lang="fr-FR" smtClean="0"/>
-              <a:t>20/01/2021</a:t>
+              <a:t>25/01/2021</a:t>
             </a:fld>
             <a:endParaRPr lang="fr-FR"/>
           </a:p>
@@ -4334,7 +4334,7 @@
           <a:p>
             <a:fld id="{3C9D912C-6682-42C2-92AE-A7A0DF3339C6}" type="datetimeFigureOut">
               <a:rPr lang="fr-FR" smtClean="0"/>
-              <a:t>20/01/2021</a:t>
+              <a:t>25/01/2021</a:t>
             </a:fld>
             <a:endParaRPr lang="fr-FR"/>
           </a:p>
@@ -4597,7 +4597,7 @@
           <a:p>
             <a:fld id="{3C9D912C-6682-42C2-92AE-A7A0DF3339C6}" type="datetimeFigureOut">
               <a:rPr lang="fr-FR" smtClean="0"/>
-              <a:t>20/01/2021</a:t>
+              <a:t>25/01/2021</a:t>
             </a:fld>
             <a:endParaRPr lang="fr-FR"/>
           </a:p>
@@ -5340,7 +5340,7 @@
           <a:p>
             <a:fld id="{3C9D912C-6682-42C2-92AE-A7A0DF3339C6}" type="datetimeFigureOut">
               <a:rPr lang="fr-FR" smtClean="0"/>
-              <a:t>20/01/2021</a:t>
+              <a:t>25/01/2021</a:t>
             </a:fld>
             <a:endParaRPr lang="fr-FR"/>
           </a:p>
@@ -6743,7 +6743,7 @@
           <a:p>
             <a:r>
               <a:rPr lang="fr-FR" dirty="0"/>
-              <a:t>Choix d’architecture</a:t>
+              <a:t>Architecture logiciel</a:t>
             </a:r>
           </a:p>
           <a:p>
@@ -7035,40 +7035,21 @@
             <p:ph idx="1"/>
           </p:nvPr>
         </p:nvSpPr>
-        <p:spPr/>
+        <p:spPr>
+          <a:xfrm>
+            <a:off x="677334" y="1686757"/>
+            <a:ext cx="9159124" cy="4696288"/>
+          </a:xfrm>
+        </p:spPr>
         <p:txBody>
           <a:bodyPr>
-            <a:normAutofit lnSpcReduction="10000"/>
+            <a:normAutofit/>
           </a:bodyPr>
           <a:lstStyle/>
           <a:p>
             <a:r>
               <a:rPr lang="fr-FR" dirty="0"/>
-              <a:t>Utilisation de nombreuses sources différentes ( </a:t>
-            </a:r>
-            <a:r>
-              <a:rPr lang="fr-FR" dirty="0" err="1"/>
-              <a:t>StackOverFlow</a:t>
-            </a:r>
-            <a:r>
-              <a:rPr lang="fr-FR" dirty="0"/>
-              <a:t>, </a:t>
-            </a:r>
-            <a:r>
-              <a:rPr lang="fr-FR" dirty="0" err="1"/>
-              <a:t>OpenClassroom</a:t>
-            </a:r>
-            <a:r>
-              <a:rPr lang="fr-FR" dirty="0"/>
-              <a:t>, </a:t>
-            </a:r>
-            <a:r>
-              <a:rPr lang="fr-FR" dirty="0" err="1"/>
-              <a:t>Developpez</a:t>
-            </a:r>
-            <a:r>
-              <a:rPr lang="fr-FR" dirty="0"/>
-              <a:t>, documentation Python, documentation OpenFoodFacts, Documentation MySQL/Python…) pour apprendre MySQL, les bases de données et comment associer Python et MySQL pour développer une application</a:t>
+              <a:t>Utilisation de nombreuses sources différentes ( StackOverFlow, documentation Python, documentation OpenFoodFacts, Documentation MySQL/Python…) pour m’aider à surmonter les difficultés rencontrée.</a:t>
             </a:r>
           </a:p>
           <a:p>
@@ -7080,7 +7061,13 @@
           <a:p>
             <a:r>
               <a:rPr lang="fr-FR" dirty="0"/>
-              <a:t>Création d’un diagramme de classe pour réfléchir aux classes de l’application</a:t>
+              <a:t>Ecriture de User stories et organisation du travail via tableau Trello</a:t>
+            </a:r>
+          </a:p>
+          <a:p>
+            <a:r>
+              <a:rPr lang="fr-FR" dirty="0"/>
+              <a:t>Ecriture des doc strings dans le code avant de coder</a:t>
             </a:r>
           </a:p>
           <a:p>
@@ -7185,30 +7172,50 @@
             <a:endParaRPr lang="fr-FR" dirty="0"/>
           </a:p>
           <a:p>
+            <a:pPr>
+              <a:buFont typeface="Wingdings" panose="05000000000000000000" pitchFamily="2" charset="2"/>
+              <a:buChar char="v"/>
+            </a:pPr>
+            <a:r>
+              <a:rPr lang="fr-FR" dirty="0"/>
+              <a:t>User stories</a:t>
+            </a:r>
+          </a:p>
+          <a:p>
+            <a:pPr>
+              <a:buFont typeface="Wingdings" panose="05000000000000000000" pitchFamily="2" charset="2"/>
+              <a:buChar char="v"/>
+            </a:pPr>
             <a:r>
               <a:rPr lang="fr-FR" dirty="0"/>
               <a:t>Modèle de données relationnel</a:t>
             </a:r>
           </a:p>
           <a:p>
-            <a:r>
-              <a:rPr lang="fr-FR" dirty="0"/>
-              <a:t>User stories</a:t>
-            </a:r>
-          </a:p>
-          <a:p>
+            <a:pPr>
+              <a:buFont typeface="Wingdings" panose="05000000000000000000" pitchFamily="2" charset="2"/>
+              <a:buChar char="v"/>
+            </a:pPr>
             <a:r>
               <a:rPr lang="fr-FR" dirty="0"/>
               <a:t>Tableau Trello</a:t>
             </a:r>
           </a:p>
           <a:p>
+            <a:pPr>
+              <a:buFont typeface="Wingdings" panose="05000000000000000000" pitchFamily="2" charset="2"/>
+              <a:buChar char="v"/>
+            </a:pPr>
             <a:r>
               <a:rPr lang="fr-FR" dirty="0"/>
               <a:t>Diagramme de flux</a:t>
             </a:r>
           </a:p>
           <a:p>
+            <a:pPr>
+              <a:buFont typeface="Wingdings" panose="05000000000000000000" pitchFamily="2" charset="2"/>
+              <a:buChar char="v"/>
+            </a:pPr>
             <a:r>
               <a:rPr lang="fr-FR" dirty="0"/>
               <a:t>Choix d’architecture (lien et Trello User stories)</a:t>
@@ -7301,8 +7308,12 @@
           <a:lstStyle/>
           <a:p>
             <a:r>
-              <a:rPr lang="fr-FR" dirty="0"/>
-              <a:t>Lien GitHub User stories: https://github.com/OttaPowa/Projet-5---Phase-2-/blob/main/Diagrammes%20et%20documents/User%20story%20P5%20Collet%20J%C3%A9r%C3%A9my.pdf</a:t>
+              <a:rPr lang="fr-FR" sz="1400" u="sng" dirty="0"/>
+              <a:t>Lien User stories: </a:t>
+            </a:r>
+            <a:r>
+              <a:rPr lang="fr-FR" sz="1400" dirty="0"/>
+              <a:t>https://github.com/OttaPowa/Projet-5---Phase-2-/blob/main/Diagrammes%20et%20documents/User%20story%20P5%20Collet%20J%C3%A9r%C3%A9my.pdf</a:t>
             </a:r>
           </a:p>
           <a:p>
@@ -7338,7 +7349,7 @@
         </p:blipFill>
         <p:spPr>
           <a:xfrm>
-            <a:off x="2098374" y="2278278"/>
+            <a:off x="2090279" y="2104339"/>
             <a:ext cx="5770778" cy="4335585"/>
           </a:xfrm>
           <a:prstGeom prst="rect">
@@ -7545,8 +7556,12 @@
               <a:buNone/>
             </a:pPr>
             <a:r>
-              <a:rPr lang="fr-FR" dirty="0"/>
-              <a:t>Lien tableau Trello: https://trello.com/b/zoZFq5pf/projet-5</a:t>
+              <a:rPr lang="fr-FR" sz="1400" u="sng" dirty="0"/>
+              <a:t>Lien tableau Trello: </a:t>
+            </a:r>
+            <a:r>
+              <a:rPr lang="fr-FR" sz="1400" dirty="0"/>
+              <a:t>https://trello.com/b/zoZFq5pf/projet-5</a:t>
             </a:r>
           </a:p>
           <a:p>
@@ -7690,7 +7705,7 @@
               </a:rPr>
             </a:br>
             <a:r>
-              <a:rPr lang="fr-FR" sz="1800" dirty="0">
+              <a:rPr lang="fr-FR" sz="1600" u="sng" dirty="0">
                 <a:solidFill>
                   <a:schemeClr val="tx1">
                     <a:lumMod val="75000"/>
@@ -7711,7 +7726,7 @@
               </a:rPr>
             </a:br>
             <a:r>
-              <a:rPr lang="fr-FR" sz="1800" dirty="0">
+              <a:rPr lang="fr-FR" sz="1600" dirty="0">
                 <a:solidFill>
                   <a:schemeClr val="tx1">
                     <a:lumMod val="75000"/>
